--- a/week01/Prerequisites/lecture_240228_SIEB.pptx
+++ b/week01/Prerequisites/lecture_240228_SIEB.pptx
@@ -284,7 +284,7 @@
       </p15:sldGuideLst>
     </p:ext>
     <p:ext uri="GoogleSlidesCustomDataVersion2">
-      <go:slidesCustomData xmlns="" xmlns:mc="http://schemas.openxmlformats.org/markup-compatibility/2006" xmlns:mv="urn:schemas-microsoft-com:mac:vml" xmlns:c="http://schemas.openxmlformats.org/drawingml/2006/chart" xmlns:dgm="http://schemas.openxmlformats.org/drawingml/2006/diagram" xmlns:o="urn:schemas-microsoft-com:office:office" xmlns:v="urn:schemas-microsoft-com:vml" xmlns:pvml="urn:schemas-microsoft-com:office:powerpoint" xmlns:com="http://schemas.openxmlformats.org/drawingml/2006/compatibility" xmlns:p14="http://schemas.microsoft.com/office/powerpoint/2010/main" xmlns:p15="http://schemas.microsoft.com/office/powerpoint/2012/main" xmlns:ahyp="http://schemas.microsoft.com/office/drawing/2018/hyperlinkcolor" xmlns:go="http://customooxmlschemas.google.com/" r:id="rId23" roundtripDataSignature="AMtx7mgJpJ/0bSjvKAUOAqZEr/jcQvDXCw=="/>
+      <go:slidesCustomData xmlns:go="http://customooxmlschemas.google.com/" xmlns:ahyp="http://schemas.microsoft.com/office/drawing/2018/hyperlinkcolor" xmlns:p15="http://schemas.microsoft.com/office/powerpoint/2012/main" xmlns:p14="http://schemas.microsoft.com/office/powerpoint/2010/main" xmlns:com="http://schemas.openxmlformats.org/drawingml/2006/compatibility" xmlns:pvml="urn:schemas-microsoft-com:office:powerpoint" xmlns:v="urn:schemas-microsoft-com:vml" xmlns:o="urn:schemas-microsoft-com:office:office" xmlns:dgm="http://schemas.openxmlformats.org/drawingml/2006/diagram" xmlns:c="http://schemas.openxmlformats.org/drawingml/2006/chart" xmlns:mv="urn:schemas-microsoft-com:mac:vml" xmlns:mc="http://schemas.openxmlformats.org/markup-compatibility/2006" xmlns="" r:id="rId23" roundtripDataSignature="AMtx7mgJpJ/0bSjvKAUOAqZEr/jcQvDXCw=="/>
     </p:ext>
   </p:extLst>
 </p:presentation>
@@ -14339,7 +14339,7 @@
         <p:fade/>
       </p:transition>
     </mc:Choice>
-    <mc:Fallback xmlns="" xmlns:mv="urn:schemas-microsoft-com:mac:vml" xmlns:c="http://schemas.openxmlformats.org/drawingml/2006/chart" xmlns:dgm="http://schemas.openxmlformats.org/drawingml/2006/diagram" xmlns:o="urn:schemas-microsoft-com:office:office" xmlns:v="urn:schemas-microsoft-com:vml" xmlns:pvml="urn:schemas-microsoft-com:office:powerpoint" xmlns:com="http://schemas.openxmlformats.org/drawingml/2006/compatibility" xmlns:p15="http://schemas.microsoft.com/office/powerpoint/2012/main" xmlns:ahyp="http://schemas.microsoft.com/office/drawing/2018/hyperlinkcolor">
+    <mc:Fallback xmlns:ahyp="http://schemas.microsoft.com/office/drawing/2018/hyperlinkcolor" xmlns:p15="http://schemas.microsoft.com/office/powerpoint/2012/main" xmlns:com="http://schemas.openxmlformats.org/drawingml/2006/compatibility" xmlns:pvml="urn:schemas-microsoft-com:office:powerpoint" xmlns:v="urn:schemas-microsoft-com:vml" xmlns:o="urn:schemas-microsoft-com:office:office" xmlns:dgm="http://schemas.openxmlformats.org/drawingml/2006/diagram" xmlns:c="http://schemas.openxmlformats.org/drawingml/2006/chart" xmlns:mv="urn:schemas-microsoft-com:mac:vml" xmlns="">
       <p:transition>
         <p:fade/>
       </p:transition>
@@ -19430,7 +19430,7 @@
         <p:fade/>
       </p:transition>
     </mc:Choice>
-    <mc:Fallback xmlns="" xmlns:mv="urn:schemas-microsoft-com:mac:vml" xmlns:c="http://schemas.openxmlformats.org/drawingml/2006/chart" xmlns:dgm="http://schemas.openxmlformats.org/drawingml/2006/diagram" xmlns:o="urn:schemas-microsoft-com:office:office" xmlns:v="urn:schemas-microsoft-com:vml" xmlns:pvml="urn:schemas-microsoft-com:office:powerpoint" xmlns:com="http://schemas.openxmlformats.org/drawingml/2006/compatibility" xmlns:p15="http://schemas.microsoft.com/office/powerpoint/2012/main" xmlns:ahyp="http://schemas.microsoft.com/office/drawing/2018/hyperlinkcolor">
+    <mc:Fallback xmlns:ahyp="http://schemas.microsoft.com/office/drawing/2018/hyperlinkcolor" xmlns:p15="http://schemas.microsoft.com/office/powerpoint/2012/main" xmlns:com="http://schemas.openxmlformats.org/drawingml/2006/compatibility" xmlns:pvml="urn:schemas-microsoft-com:office:powerpoint" xmlns:v="urn:schemas-microsoft-com:vml" xmlns:o="urn:schemas-microsoft-com:office:office" xmlns:dgm="http://schemas.openxmlformats.org/drawingml/2006/diagram" xmlns:c="http://schemas.openxmlformats.org/drawingml/2006/chart" xmlns:mv="urn:schemas-microsoft-com:mac:vml" xmlns="">
       <p:transition>
         <p:fade/>
       </p:transition>
@@ -20115,7 +20115,7 @@
         <p:fade/>
       </p:transition>
     </mc:Choice>
-    <mc:Fallback xmlns="" xmlns:mv="urn:schemas-microsoft-com:mac:vml" xmlns:c="http://schemas.openxmlformats.org/drawingml/2006/chart" xmlns:dgm="http://schemas.openxmlformats.org/drawingml/2006/diagram" xmlns:o="urn:schemas-microsoft-com:office:office" xmlns:v="urn:schemas-microsoft-com:vml" xmlns:pvml="urn:schemas-microsoft-com:office:powerpoint" xmlns:com="http://schemas.openxmlformats.org/drawingml/2006/compatibility" xmlns:p15="http://schemas.microsoft.com/office/powerpoint/2012/main" xmlns:ahyp="http://schemas.microsoft.com/office/drawing/2018/hyperlinkcolor">
+    <mc:Fallback xmlns:ahyp="http://schemas.microsoft.com/office/drawing/2018/hyperlinkcolor" xmlns:p15="http://schemas.microsoft.com/office/powerpoint/2012/main" xmlns:com="http://schemas.openxmlformats.org/drawingml/2006/compatibility" xmlns:pvml="urn:schemas-microsoft-com:office:powerpoint" xmlns:v="urn:schemas-microsoft-com:vml" xmlns:o="urn:schemas-microsoft-com:office:office" xmlns:dgm="http://schemas.openxmlformats.org/drawingml/2006/diagram" xmlns:c="http://schemas.openxmlformats.org/drawingml/2006/chart" xmlns:mv="urn:schemas-microsoft-com:mac:vml" xmlns="">
       <p:transition>
         <p:fade/>
       </p:transition>
@@ -20887,7 +20887,7 @@
         <p:fade/>
       </p:transition>
     </mc:Choice>
-    <mc:Fallback xmlns="" xmlns:mv="urn:schemas-microsoft-com:mac:vml" xmlns:c="http://schemas.openxmlformats.org/drawingml/2006/chart" xmlns:dgm="http://schemas.openxmlformats.org/drawingml/2006/diagram" xmlns:o="urn:schemas-microsoft-com:office:office" xmlns:v="urn:schemas-microsoft-com:vml" xmlns:pvml="urn:schemas-microsoft-com:office:powerpoint" xmlns:com="http://schemas.openxmlformats.org/drawingml/2006/compatibility" xmlns:p15="http://schemas.microsoft.com/office/powerpoint/2012/main" xmlns:ahyp="http://schemas.microsoft.com/office/drawing/2018/hyperlinkcolor">
+    <mc:Fallback xmlns:ahyp="http://schemas.microsoft.com/office/drawing/2018/hyperlinkcolor" xmlns:p15="http://schemas.microsoft.com/office/powerpoint/2012/main" xmlns:com="http://schemas.openxmlformats.org/drawingml/2006/compatibility" xmlns:pvml="urn:schemas-microsoft-com:office:powerpoint" xmlns:v="urn:schemas-microsoft-com:vml" xmlns:o="urn:schemas-microsoft-com:office:office" xmlns:dgm="http://schemas.openxmlformats.org/drawingml/2006/diagram" xmlns:c="http://schemas.openxmlformats.org/drawingml/2006/chart" xmlns:mv="urn:schemas-microsoft-com:mac:vml" xmlns="">
       <p:transition>
         <p:fade/>
       </p:transition>
@@ -21415,7 +21415,7 @@
           <a:p>
             <a:r>
               <a:rPr lang="en-KR" sz="1500" dirty="0"/>
-              <a:t>You have to do these process again</a:t>
+              <a:t>You have to do these processes again.</a:t>
             </a:r>
           </a:p>
           <a:p>
@@ -21664,7 +21664,7 @@
                   <a:srgbClr val="0070C0"/>
                 </a:solidFill>
               </a:rPr>
-              <a:t>If you have any other questions related these process, </a:t>
+              <a:t>If you have any other questions related these processes, </a:t>
             </a:r>
             <a:r>
               <a:rPr lang="en-KR" sz="1500" dirty="0">
@@ -21958,7 +21958,7 @@
         <p:fade/>
       </p:transition>
     </mc:Choice>
-    <mc:Fallback xmlns="" xmlns:mv="urn:schemas-microsoft-com:mac:vml" xmlns:c="http://schemas.openxmlformats.org/drawingml/2006/chart" xmlns:dgm="http://schemas.openxmlformats.org/drawingml/2006/diagram" xmlns:o="urn:schemas-microsoft-com:office:office" xmlns:v="urn:schemas-microsoft-com:vml" xmlns:pvml="urn:schemas-microsoft-com:office:powerpoint" xmlns:com="http://schemas.openxmlformats.org/drawingml/2006/compatibility" xmlns:p15="http://schemas.microsoft.com/office/powerpoint/2012/main" xmlns:ahyp="http://schemas.microsoft.com/office/drawing/2018/hyperlinkcolor">
+    <mc:Fallback xmlns:ahyp="http://schemas.microsoft.com/office/drawing/2018/hyperlinkcolor" xmlns:p15="http://schemas.microsoft.com/office/powerpoint/2012/main" xmlns:com="http://schemas.openxmlformats.org/drawingml/2006/compatibility" xmlns:pvml="urn:schemas-microsoft-com:office:powerpoint" xmlns:v="urn:schemas-microsoft-com:vml" xmlns:o="urn:schemas-microsoft-com:office:office" xmlns:dgm="http://schemas.openxmlformats.org/drawingml/2006/diagram" xmlns:c="http://schemas.openxmlformats.org/drawingml/2006/chart" xmlns:mv="urn:schemas-microsoft-com:mac:vml" xmlns="">
       <p:transition>
         <p:fade/>
       </p:transition>
@@ -25016,7 +25016,7 @@
             </a:r>
             <a:r>
               <a:rPr lang="en-US" altLang="ko-KR" sz="3000" dirty="0"/>
-              <a:t> file &amp; package folder</a:t>
+              <a:t> file &amp; package folder in SIEB2024_class</a:t>
             </a:r>
             <a:endParaRPr lang="en-KR" sz="3000" dirty="0"/>
           </a:p>
@@ -25573,90 +25573,68 @@
             </a:r>
             <a:r>
               <a:rPr lang="en-US" altLang="ko-KR" sz="3000" dirty="0" err="1"/>
-              <a:t>Share_for_students</a:t>
+              <a:t>Github</a:t>
             </a:r>
             <a:r>
               <a:rPr lang="en-US" altLang="ko-KR" sz="3000" dirty="0"/>
-              <a:t> folder</a:t>
+              <a:t> “</a:t>
+            </a:r>
+            <a:r>
+              <a:rPr lang="en-US" altLang="ko-KR" sz="3000" dirty="0" err="1"/>
+              <a:t>Hyunglok</a:t>
+            </a:r>
+            <a:r>
+              <a:rPr lang="en-US" altLang="ko-KR" sz="3000" dirty="0"/>
+              <a:t>-Kim/</a:t>
+            </a:r>
+            <a:r>
+              <a:rPr lang="en-US" altLang="ko-KR" sz="3000" dirty="0" err="1"/>
+              <a:t>HydroAI</a:t>
+            </a:r>
+            <a:r>
+              <a:rPr lang="en-US" altLang="ko-KR" sz="3000" dirty="0"/>
+              <a:t>”</a:t>
             </a:r>
             <a:endParaRPr lang="en-KR" sz="3000" dirty="0"/>
           </a:p>
         </p:txBody>
       </p:sp>
-      <p:sp>
-        <p:nvSpPr>
-          <p:cNvPr id="3" name="TextBox 2">
+      <p:pic>
+        <p:nvPicPr>
+          <p:cNvPr id="2" name="Picture 1">
             <a:extLst>
               <a:ext uri="{FF2B5EF4-FFF2-40B4-BE49-F238E27FC236}">
-                <a16:creationId xmlns:a16="http://schemas.microsoft.com/office/drawing/2014/main" id="{B715C4DB-51CE-809E-7D36-7C4BC3F69C43}"/>
+                <a16:creationId xmlns:a16="http://schemas.microsoft.com/office/drawing/2014/main" id="{6A93DE0B-FAD1-305E-B7E7-3AE7A7BDCDA3}"/>
               </a:ext>
             </a:extLst>
           </p:cNvPr>
-          <p:cNvSpPr txBox="1"/>
+          <p:cNvPicPr>
+            <a:picLocks noChangeAspect="1"/>
+          </p:cNvPicPr>
           <p:nvPr/>
-        </p:nvSpPr>
+        </p:nvPicPr>
+        <p:blipFill>
+          <a:blip r:embed="rId4"/>
+          <a:stretch>
+            <a:fillRect/>
+          </a:stretch>
+        </p:blipFill>
         <p:spPr>
           <a:xfrm>
-            <a:off x="1217141" y="1713140"/>
-            <a:ext cx="6136480" cy="707886"/>
+            <a:off x="5796207" y="1539650"/>
+            <a:ext cx="5670509" cy="4355498"/>
           </a:xfrm>
           <a:prstGeom prst="rect">
             <a:avLst/>
           </a:prstGeom>
-          <a:noFill/>
-        </p:spPr>
-        <p:txBody>
-          <a:bodyPr wrap="square">
-            <a:spAutoFit/>
-          </a:bodyPr>
-          <a:lstStyle/>
-          <a:p>
-            <a:r>
-              <a:rPr lang="en-US" sz="2000" dirty="0">
-                <a:solidFill>
-                  <a:schemeClr val="accent1"/>
-                </a:solidFill>
-              </a:rPr>
-              <a:t>https://</a:t>
-            </a:r>
-            <a:r>
-              <a:rPr lang="en-US" sz="2000" dirty="0" err="1">
-                <a:solidFill>
-                  <a:schemeClr val="accent1"/>
-                </a:solidFill>
-              </a:rPr>
-              <a:t>drive.google.com</a:t>
-            </a:r>
-            <a:r>
-              <a:rPr lang="en-US" sz="2000" dirty="0">
-                <a:solidFill>
-                  <a:schemeClr val="accent1"/>
-                </a:solidFill>
-              </a:rPr>
-              <a:t>/drive/folders/1ZiXc5JaCrnelXNWjMBzD2TB4C11uTncD?usp=</a:t>
-            </a:r>
-            <a:r>
-              <a:rPr lang="en-US" sz="2000" dirty="0" err="1">
-                <a:solidFill>
-                  <a:schemeClr val="accent1"/>
-                </a:solidFill>
-              </a:rPr>
-              <a:t>share_link</a:t>
-            </a:r>
-            <a:endParaRPr lang="en-KR" sz="2000" dirty="0">
-              <a:solidFill>
-                <a:schemeClr val="accent1"/>
-              </a:solidFill>
-            </a:endParaRPr>
-          </a:p>
-        </p:txBody>
-      </p:sp>
+        </p:spPr>
+      </p:pic>
       <p:pic>
         <p:nvPicPr>
-          <p:cNvPr id="4" name="Picture 3">
+          <p:cNvPr id="6" name="Picture 5">
             <a:extLst>
               <a:ext uri="{FF2B5EF4-FFF2-40B4-BE49-F238E27FC236}">
-                <a16:creationId xmlns:a16="http://schemas.microsoft.com/office/drawing/2014/main" id="{1076F4E1-E0B1-9DA4-60E7-BD17CB476D52}"/>
+                <a16:creationId xmlns:a16="http://schemas.microsoft.com/office/drawing/2014/main" id="{73FBFABF-327F-B598-D528-F940A2E5260B}"/>
               </a:ext>
             </a:extLst>
           </p:cNvPr>
@@ -25666,50 +25644,338 @@
           <p:nvPr/>
         </p:nvPicPr>
         <p:blipFill rotWithShape="1">
-          <a:blip r:embed="rId4"/>
-          <a:srcRect t="12829"/>
+          <a:blip r:embed="rId5"/>
+          <a:srcRect r="21490"/>
           <a:stretch/>
         </p:blipFill>
         <p:spPr>
           <a:xfrm>
-            <a:off x="5413952" y="2531862"/>
-            <a:ext cx="5524973" cy="3253821"/>
+            <a:off x="146621" y="1435148"/>
+            <a:ext cx="5170097" cy="2692716"/>
           </a:xfrm>
           <a:prstGeom prst="rect">
             <a:avLst/>
           </a:prstGeom>
         </p:spPr>
       </p:pic>
-      <p:pic>
-        <p:nvPicPr>
-          <p:cNvPr id="5" name="Picture 4" descr="A qr code with black squares&#10;&#10;Description automatically generated">
+      <p:sp>
+        <p:nvSpPr>
+          <p:cNvPr id="7" name="Frame 6">
             <a:extLst>
               <a:ext uri="{FF2B5EF4-FFF2-40B4-BE49-F238E27FC236}">
-                <a16:creationId xmlns:a16="http://schemas.microsoft.com/office/drawing/2014/main" id="{56D51060-EFA1-3176-1ACF-314D8604815A}"/>
+                <a16:creationId xmlns:a16="http://schemas.microsoft.com/office/drawing/2014/main" id="{8DBCB127-79E1-A80D-CFC3-7785FB246EBE}"/>
               </a:ext>
             </a:extLst>
           </p:cNvPr>
-          <p:cNvPicPr>
-            <a:picLocks noChangeAspect="1"/>
-          </p:cNvPicPr>
+          <p:cNvSpPr/>
           <p:nvPr/>
-        </p:nvPicPr>
-        <p:blipFill>
-          <a:blip r:embed="rId5"/>
-          <a:stretch>
-            <a:fillRect/>
-          </a:stretch>
-        </p:blipFill>
+        </p:nvSpPr>
         <p:spPr>
           <a:xfrm>
-            <a:off x="1072350" y="2342548"/>
-            <a:ext cx="3915286" cy="3915286"/>
-          </a:xfrm>
-          <a:prstGeom prst="rect">
+            <a:off x="1583343" y="1539650"/>
+            <a:ext cx="1329673" cy="446744"/>
+          </a:xfrm>
+          <a:prstGeom prst="frame">
             <a:avLst/>
           </a:prstGeom>
-        </p:spPr>
-      </p:pic>
+          <a:solidFill>
+            <a:schemeClr val="accent2"/>
+          </a:solidFill>
+          <a:ln>
+            <a:solidFill>
+              <a:schemeClr val="accent2"/>
+            </a:solidFill>
+          </a:ln>
+        </p:spPr>
+        <p:style>
+          <a:lnRef idx="2">
+            <a:schemeClr val="accent1">
+              <a:shade val="15000"/>
+            </a:schemeClr>
+          </a:lnRef>
+          <a:fillRef idx="1">
+            <a:schemeClr val="accent1"/>
+          </a:fillRef>
+          <a:effectRef idx="0">
+            <a:schemeClr val="accent1"/>
+          </a:effectRef>
+          <a:fontRef idx="minor">
+            <a:schemeClr val="lt1"/>
+          </a:fontRef>
+        </p:style>
+        <p:txBody>
+          <a:bodyPr rtlCol="0" anchor="ctr"/>
+          <a:lstStyle/>
+          <a:p>
+            <a:pPr algn="ctr"/>
+            <a:endParaRPr lang="en-KR">
+              <a:solidFill>
+                <a:schemeClr val="tx1"/>
+              </a:solidFill>
+            </a:endParaRPr>
+          </a:p>
+        </p:txBody>
+      </p:sp>
+      <p:sp>
+        <p:nvSpPr>
+          <p:cNvPr id="8" name="Frame 7">
+            <a:extLst>
+              <a:ext uri="{FF2B5EF4-FFF2-40B4-BE49-F238E27FC236}">
+                <a16:creationId xmlns:a16="http://schemas.microsoft.com/office/drawing/2014/main" id="{34E3A9FF-372D-4605-AC38-CD9DD57391DF}"/>
+              </a:ext>
+            </a:extLst>
+          </p:cNvPr>
+          <p:cNvSpPr/>
+          <p:nvPr/>
+        </p:nvSpPr>
+        <p:spPr>
+          <a:xfrm>
+            <a:off x="146621" y="2781505"/>
+            <a:ext cx="3360150" cy="1008069"/>
+          </a:xfrm>
+          <a:prstGeom prst="frame">
+            <a:avLst>
+              <a:gd name="adj1" fmla="val 5954"/>
+            </a:avLst>
+          </a:prstGeom>
+          <a:solidFill>
+            <a:schemeClr val="accent2"/>
+          </a:solidFill>
+          <a:ln>
+            <a:solidFill>
+              <a:schemeClr val="accent2"/>
+            </a:solidFill>
+          </a:ln>
+        </p:spPr>
+        <p:style>
+          <a:lnRef idx="2">
+            <a:schemeClr val="accent1">
+              <a:shade val="15000"/>
+            </a:schemeClr>
+          </a:lnRef>
+          <a:fillRef idx="1">
+            <a:schemeClr val="accent1"/>
+          </a:fillRef>
+          <a:effectRef idx="0">
+            <a:schemeClr val="accent1"/>
+          </a:effectRef>
+          <a:fontRef idx="minor">
+            <a:schemeClr val="lt1"/>
+          </a:fontRef>
+        </p:style>
+        <p:txBody>
+          <a:bodyPr rtlCol="0" anchor="ctr"/>
+          <a:lstStyle/>
+          <a:p>
+            <a:pPr algn="ctr"/>
+            <a:endParaRPr lang="en-KR">
+              <a:solidFill>
+                <a:schemeClr val="tx1"/>
+              </a:solidFill>
+            </a:endParaRPr>
+          </a:p>
+        </p:txBody>
+      </p:sp>
+      <p:sp>
+        <p:nvSpPr>
+          <p:cNvPr id="9" name="Frame 8">
+            <a:extLst>
+              <a:ext uri="{FF2B5EF4-FFF2-40B4-BE49-F238E27FC236}">
+                <a16:creationId xmlns:a16="http://schemas.microsoft.com/office/drawing/2014/main" id="{E69B2DD5-91EE-6DF2-B101-D0D49F5B4F53}"/>
+              </a:ext>
+            </a:extLst>
+          </p:cNvPr>
+          <p:cNvSpPr/>
+          <p:nvPr/>
+        </p:nvSpPr>
+        <p:spPr>
+          <a:xfrm>
+            <a:off x="10365250" y="2891128"/>
+            <a:ext cx="1007198" cy="394411"/>
+          </a:xfrm>
+          <a:prstGeom prst="frame">
+            <a:avLst/>
+          </a:prstGeom>
+          <a:solidFill>
+            <a:schemeClr val="accent2"/>
+          </a:solidFill>
+          <a:ln>
+            <a:solidFill>
+              <a:schemeClr val="accent2"/>
+            </a:solidFill>
+          </a:ln>
+        </p:spPr>
+        <p:style>
+          <a:lnRef idx="2">
+            <a:schemeClr val="accent1">
+              <a:shade val="15000"/>
+            </a:schemeClr>
+          </a:lnRef>
+          <a:fillRef idx="1">
+            <a:schemeClr val="accent1"/>
+          </a:fillRef>
+          <a:effectRef idx="0">
+            <a:schemeClr val="accent1"/>
+          </a:effectRef>
+          <a:fontRef idx="minor">
+            <a:schemeClr val="lt1"/>
+          </a:fontRef>
+        </p:style>
+        <p:txBody>
+          <a:bodyPr rtlCol="0" anchor="ctr"/>
+          <a:lstStyle/>
+          <a:p>
+            <a:pPr algn="ctr"/>
+            <a:endParaRPr lang="en-KR">
+              <a:solidFill>
+                <a:schemeClr val="tx1"/>
+              </a:solidFill>
+            </a:endParaRPr>
+          </a:p>
+        </p:txBody>
+      </p:sp>
+      <p:sp>
+        <p:nvSpPr>
+          <p:cNvPr id="10" name="Frame 9">
+            <a:extLst>
+              <a:ext uri="{FF2B5EF4-FFF2-40B4-BE49-F238E27FC236}">
+                <a16:creationId xmlns:a16="http://schemas.microsoft.com/office/drawing/2014/main" id="{93B69BBE-7903-ADAD-5E0D-D7ADB8C65A2B}"/>
+              </a:ext>
+            </a:extLst>
+          </p:cNvPr>
+          <p:cNvSpPr/>
+          <p:nvPr/>
+        </p:nvSpPr>
+        <p:spPr>
+          <a:xfrm>
+            <a:off x="8198656" y="5249400"/>
+            <a:ext cx="3173792" cy="491524"/>
+          </a:xfrm>
+          <a:prstGeom prst="frame">
+            <a:avLst/>
+          </a:prstGeom>
+          <a:solidFill>
+            <a:schemeClr val="accent2"/>
+          </a:solidFill>
+          <a:ln>
+            <a:solidFill>
+              <a:schemeClr val="accent2"/>
+            </a:solidFill>
+          </a:ln>
+        </p:spPr>
+        <p:style>
+          <a:lnRef idx="2">
+            <a:schemeClr val="accent1">
+              <a:shade val="15000"/>
+            </a:schemeClr>
+          </a:lnRef>
+          <a:fillRef idx="1">
+            <a:schemeClr val="accent1"/>
+          </a:fillRef>
+          <a:effectRef idx="0">
+            <a:schemeClr val="accent1"/>
+          </a:effectRef>
+          <a:fontRef idx="minor">
+            <a:schemeClr val="lt1"/>
+          </a:fontRef>
+        </p:style>
+        <p:txBody>
+          <a:bodyPr rtlCol="0" anchor="ctr"/>
+          <a:lstStyle/>
+          <a:p>
+            <a:pPr algn="ctr"/>
+            <a:endParaRPr lang="en-KR">
+              <a:solidFill>
+                <a:schemeClr val="tx1"/>
+              </a:solidFill>
+            </a:endParaRPr>
+          </a:p>
+        </p:txBody>
+      </p:sp>
+      <p:cxnSp>
+        <p:nvCxnSpPr>
+          <p:cNvPr id="12" name="Straight Arrow Connector 11">
+            <a:extLst>
+              <a:ext uri="{FF2B5EF4-FFF2-40B4-BE49-F238E27FC236}">
+                <a16:creationId xmlns:a16="http://schemas.microsoft.com/office/drawing/2014/main" id="{63ED40DF-0C62-79A6-A3C0-F911B63BA00B}"/>
+              </a:ext>
+            </a:extLst>
+          </p:cNvPr>
+          <p:cNvCxnSpPr>
+            <a:cxnSpLocks/>
+            <a:endCxn id="8" idx="0"/>
+          </p:cNvCxnSpPr>
+          <p:nvPr/>
+        </p:nvCxnSpPr>
+        <p:spPr>
+          <a:xfrm flipH="1">
+            <a:off x="1826696" y="1986394"/>
+            <a:ext cx="421483" cy="795111"/>
+          </a:xfrm>
+          <a:prstGeom prst="straightConnector1">
+            <a:avLst/>
+          </a:prstGeom>
+          <a:ln>
+            <a:tailEnd type="triangle"/>
+          </a:ln>
+        </p:spPr>
+        <p:style>
+          <a:lnRef idx="3">
+            <a:schemeClr val="accent2"/>
+          </a:lnRef>
+          <a:fillRef idx="0">
+            <a:schemeClr val="accent2"/>
+          </a:fillRef>
+          <a:effectRef idx="2">
+            <a:schemeClr val="accent2"/>
+          </a:effectRef>
+          <a:fontRef idx="minor">
+            <a:schemeClr val="tx1"/>
+          </a:fontRef>
+        </p:style>
+      </p:cxnSp>
+      <p:cxnSp>
+        <p:nvCxnSpPr>
+          <p:cNvPr id="14" name="Straight Arrow Connector 13">
+            <a:extLst>
+              <a:ext uri="{FF2B5EF4-FFF2-40B4-BE49-F238E27FC236}">
+                <a16:creationId xmlns:a16="http://schemas.microsoft.com/office/drawing/2014/main" id="{352A9211-E906-98E1-F31F-872CDA1EEDF1}"/>
+              </a:ext>
+            </a:extLst>
+          </p:cNvPr>
+          <p:cNvCxnSpPr>
+            <a:cxnSpLocks/>
+            <a:endCxn id="10" idx="0"/>
+          </p:cNvCxnSpPr>
+          <p:nvPr/>
+        </p:nvCxnSpPr>
+        <p:spPr>
+          <a:xfrm flipH="1">
+            <a:off x="9785552" y="3278488"/>
+            <a:ext cx="1083297" cy="1970912"/>
+          </a:xfrm>
+          <a:prstGeom prst="straightConnector1">
+            <a:avLst/>
+          </a:prstGeom>
+          <a:ln>
+            <a:tailEnd type="triangle"/>
+          </a:ln>
+        </p:spPr>
+        <p:style>
+          <a:lnRef idx="3">
+            <a:schemeClr val="accent2"/>
+          </a:lnRef>
+          <a:fillRef idx="0">
+            <a:schemeClr val="accent2"/>
+          </a:fillRef>
+          <a:effectRef idx="2">
+            <a:schemeClr val="accent2"/>
+          </a:effectRef>
+          <a:fontRef idx="minor">
+            <a:schemeClr val="tx1"/>
+          </a:fontRef>
+        </p:style>
+      </p:cxnSp>
     </p:spTree>
     <p:extLst>
       <p:ext uri="{BB962C8B-B14F-4D97-AF65-F5344CB8AC3E}">
@@ -26257,7 +26523,15 @@
             </a:r>
             <a:r>
               <a:rPr lang="en-US" altLang="ko-KR" sz="3000" dirty="0"/>
-              <a:t> library in your package folder</a:t>
+              <a:t> library in your </a:t>
+            </a:r>
+            <a:r>
+              <a:rPr lang="en-US" altLang="ko-KR" sz="3000" u="sng" dirty="0"/>
+              <a:t>package</a:t>
+            </a:r>
+            <a:r>
+              <a:rPr lang="en-US" altLang="ko-KR" sz="3000" dirty="0"/>
+              <a:t> folder</a:t>
             </a:r>
             <a:endParaRPr lang="en-KR" sz="3000" dirty="0"/>
           </a:p>
@@ -26293,6 +26567,41 @@
           </a:prstGeom>
         </p:spPr>
       </p:pic>
+      <p:sp>
+        <p:nvSpPr>
+          <p:cNvPr id="2" name="TextBox 1">
+            <a:extLst>
+              <a:ext uri="{FF2B5EF4-FFF2-40B4-BE49-F238E27FC236}">
+                <a16:creationId xmlns:a16="http://schemas.microsoft.com/office/drawing/2014/main" id="{9E318F57-1D21-868E-687D-DFD140B45321}"/>
+              </a:ext>
+            </a:extLst>
+          </p:cNvPr>
+          <p:cNvSpPr txBox="1"/>
+          <p:nvPr/>
+        </p:nvSpPr>
+        <p:spPr>
+          <a:xfrm>
+            <a:off x="2915031" y="4849075"/>
+            <a:ext cx="2420856" cy="323165"/>
+          </a:xfrm>
+          <a:prstGeom prst="rect">
+            <a:avLst/>
+          </a:prstGeom>
+          <a:noFill/>
+        </p:spPr>
+        <p:txBody>
+          <a:bodyPr wrap="none" rtlCol="0">
+            <a:spAutoFit/>
+          </a:bodyPr>
+          <a:lstStyle/>
+          <a:p>
+            <a:r>
+              <a:rPr lang="en-KR" sz="1500" dirty="0"/>
+              <a:t>Set folder name “HydroAI”</a:t>
+            </a:r>
+          </a:p>
+        </p:txBody>
+      </p:sp>
     </p:spTree>
     <p:extLst>
       <p:ext uri="{BB962C8B-B14F-4D97-AF65-F5344CB8AC3E}">
